--- a/retreatJan8nccr/retreatposter.pptx
+++ b/retreatJan8nccr/retreatposter.pptx
@@ -5,10 +5,10 @@
     <p:sldMasterId id="2147483648" r:id="rId1"/>
   </p:sldMasterIdLst>
   <p:notesMasterIdLst>
-    <p:notesMasterId r:id="rId16"/>
+    <p:notesMasterId r:id="rId17"/>
   </p:notesMasterIdLst>
   <p:handoutMasterIdLst>
-    <p:handoutMasterId r:id="rId17"/>
+    <p:handoutMasterId r:id="rId18"/>
   </p:handoutMasterIdLst>
   <p:sldIdLst>
     <p:sldId id="558" r:id="rId2"/>
@@ -16,15 +16,16 @@
     <p:sldId id="568" r:id="rId4"/>
     <p:sldId id="557" r:id="rId5"/>
     <p:sldId id="559" r:id="rId6"/>
-    <p:sldId id="569" r:id="rId7"/>
-    <p:sldId id="570" r:id="rId8"/>
-    <p:sldId id="571" r:id="rId9"/>
-    <p:sldId id="562" r:id="rId10"/>
-    <p:sldId id="563" r:id="rId11"/>
-    <p:sldId id="564" r:id="rId12"/>
-    <p:sldId id="565" r:id="rId13"/>
-    <p:sldId id="566" r:id="rId14"/>
-    <p:sldId id="567" r:id="rId15"/>
+    <p:sldId id="572" r:id="rId7"/>
+    <p:sldId id="569" r:id="rId8"/>
+    <p:sldId id="570" r:id="rId9"/>
+    <p:sldId id="571" r:id="rId10"/>
+    <p:sldId id="562" r:id="rId11"/>
+    <p:sldId id="563" r:id="rId12"/>
+    <p:sldId id="564" r:id="rId13"/>
+    <p:sldId id="565" r:id="rId14"/>
+    <p:sldId id="566" r:id="rId15"/>
+    <p:sldId id="567" r:id="rId16"/>
   </p:sldIdLst>
   <p:sldSz cx="9144000" cy="5143500" type="screen16x9"/>
   <p:notesSz cx="7099300" cy="10234613"/>
@@ -9096,8 +9097,37 @@
           </a:p>
           <a:p>
             <a:r>
+              <a:rPr lang="de-CH" dirty="0">
+                <a:hlinkClick r:id="rId2"/>
+              </a:rPr>
+              <a:t>audrey.yeo@uzh.ch</a:t>
+            </a:r>
+            <a:endParaRPr lang="de-CH" dirty="0"/>
+          </a:p>
+          <a:p>
+            <a:r>
+              <a:rPr lang="de-CH" dirty="0"/>
+              <a:t>Project </a:t>
+            </a:r>
+            <a:r>
               <a:rPr lang="de-CH" dirty="0" err="1"/>
-              <a:t>audrey.yeo@uzh.ch</a:t>
+              <a:t>funded</a:t>
+            </a:r>
+            <a:r>
+              <a:rPr lang="de-CH" dirty="0"/>
+              <a:t> </a:t>
+            </a:r>
+            <a:r>
+              <a:rPr lang="de-CH" dirty="0" err="1"/>
+              <a:t>by</a:t>
+            </a:r>
+            <a:r>
+              <a:rPr lang="de-CH" dirty="0"/>
+              <a:t> </a:t>
+            </a:r>
+            <a:r>
+              <a:rPr lang="en-GB" dirty="0"/>
+              <a:t>Junior Grant and WP</a:t>
             </a:r>
             <a:endParaRPr lang="de-CH" dirty="0"/>
           </a:p>
@@ -9120,7 +9150,7 @@
           <a:p>
             <a:r>
               <a:rPr lang="de-CH" dirty="0"/>
-              <a:t>Event Name</a:t>
+              <a:t>NCCR Retreat 2021</a:t>
             </a:r>
           </a:p>
         </p:txBody>
@@ -9142,11 +9172,49 @@
           <a:p>
             <a:r>
               <a:rPr lang="de-CH" dirty="0"/>
-              <a:t>Zürich, DD. Month YYYY</a:t>
+              <a:t>Zürich, 15. </a:t>
+            </a:r>
+            <a:r>
+              <a:rPr lang="de-CH" dirty="0" err="1"/>
+              <a:t>January</a:t>
+            </a:r>
+            <a:r>
+              <a:rPr lang="de-CH" dirty="0"/>
+              <a:t> 2021</a:t>
             </a:r>
           </a:p>
         </p:txBody>
       </p:sp>
+      <p:pic>
+        <p:nvPicPr>
+          <p:cNvPr id="2" name="Picture 1">
+            <a:extLst>
+              <a:ext uri="{FF2B5EF4-FFF2-40B4-BE49-F238E27FC236}">
+                <a16:creationId xmlns:a16="http://schemas.microsoft.com/office/drawing/2014/main" id="{70F80BA4-49EF-D747-8001-71B5C6D0B180}"/>
+              </a:ext>
+            </a:extLst>
+          </p:cNvPr>
+          <p:cNvPicPr>
+            <a:picLocks noChangeAspect="1"/>
+          </p:cNvPicPr>
+          <p:nvPr/>
+        </p:nvPicPr>
+        <p:blipFill>
+          <a:blip r:embed="rId3"/>
+          <a:stretch>
+            <a:fillRect/>
+          </a:stretch>
+        </p:blipFill>
+        <p:spPr>
+          <a:xfrm>
+            <a:off x="5292080" y="4794184"/>
+            <a:ext cx="778044" cy="324185"/>
+          </a:xfrm>
+          <a:prstGeom prst="rect">
+            <a:avLst/>
+          </a:prstGeom>
+        </p:spPr>
+      </p:pic>
     </p:spTree>
     <p:extLst>
       <p:ext uri="{BB962C8B-B14F-4D97-AF65-F5344CB8AC3E}">
@@ -9179,6 +9247,102 @@
       </p:grpSpPr>
       <p:sp>
         <p:nvSpPr>
+          <p:cNvPr id="4" name="Text Placeholder 3"/>
+          <p:cNvSpPr>
+            <a:spLocks noGrp="1"/>
+          </p:cNvSpPr>
+          <p:nvPr>
+            <p:ph type="body" sz="quarter" idx="10"/>
+          </p:nvPr>
+        </p:nvSpPr>
+        <p:spPr/>
+        <p:txBody>
+          <a:bodyPr/>
+          <a:lstStyle/>
+          <a:p>
+            <a:r>
+              <a:rPr lang="de-CH" dirty="0"/>
+              <a:t>Picture Slide with Comment and Text</a:t>
+            </a:r>
+          </a:p>
+        </p:txBody>
+      </p:sp>
+      <p:sp>
+        <p:nvSpPr>
+          <p:cNvPr id="5" name="Text Placeholder 4"/>
+          <p:cNvSpPr>
+            <a:spLocks noGrp="1"/>
+          </p:cNvSpPr>
+          <p:nvPr>
+            <p:ph type="body" sz="quarter" idx="11"/>
+          </p:nvPr>
+        </p:nvSpPr>
+        <p:spPr/>
+        <p:txBody>
+          <a:bodyPr/>
+          <a:lstStyle/>
+          <a:p>
+            <a:r>
+              <a:rPr lang="de-CH" dirty="0"/>
+              <a:t>Comment</a:t>
+            </a:r>
+          </a:p>
+        </p:txBody>
+      </p:sp>
+      <p:sp>
+        <p:nvSpPr>
+          <p:cNvPr id="6" name="Text Placeholder 5"/>
+          <p:cNvSpPr>
+            <a:spLocks noGrp="1"/>
+          </p:cNvSpPr>
+          <p:nvPr>
+            <p:ph type="body" sz="quarter" idx="12"/>
+          </p:nvPr>
+        </p:nvSpPr>
+        <p:spPr/>
+        <p:txBody>
+          <a:bodyPr/>
+          <a:lstStyle/>
+          <a:p>
+            <a:r>
+              <a:rPr lang="de-CH" dirty="0"/>
+              <a:t>Text</a:t>
+            </a:r>
+          </a:p>
+        </p:txBody>
+      </p:sp>
+    </p:spTree>
+    <p:extLst>
+      <p:ext uri="{BB962C8B-B14F-4D97-AF65-F5344CB8AC3E}">
+        <p14:creationId xmlns:p14="http://schemas.microsoft.com/office/powerpoint/2010/main" val="529925703"/>
+      </p:ext>
+    </p:extLst>
+  </p:cSld>
+  <p:clrMapOvr>
+    <a:masterClrMapping/>
+  </p:clrMapOvr>
+</p:sld>
+</file>
+
+<file path=ppt/slides/slide11.xml><?xml version="1.0" encoding="utf-8"?>
+<p:sld xmlns:a="http://schemas.openxmlformats.org/drawingml/2006/main" xmlns:r="http://schemas.openxmlformats.org/officeDocument/2006/relationships" xmlns:p="http://schemas.openxmlformats.org/presentationml/2006/main">
+  <p:cSld>
+    <p:spTree>
+      <p:nvGrpSpPr>
+        <p:cNvPr id="1" name=""/>
+        <p:cNvGrpSpPr/>
+        <p:nvPr/>
+      </p:nvGrpSpPr>
+      <p:grpSpPr>
+        <a:xfrm>
+          <a:off x="0" y="0"/>
+          <a:ext cx="0" cy="0"/>
+          <a:chOff x="0" y="0"/>
+          <a:chExt cx="0" cy="0"/>
+        </a:xfrm>
+      </p:grpSpPr>
+      <p:sp>
+        <p:nvSpPr>
           <p:cNvPr id="5" name="Text Placeholder 4"/>
           <p:cNvSpPr>
             <a:spLocks noGrp="1"/>
@@ -9212,7 +9376,7 @@
 </p:sld>
 </file>
 
-<file path=ppt/slides/slide11.xml><?xml version="1.0" encoding="utf-8"?>
+<file path=ppt/slides/slide12.xml><?xml version="1.0" encoding="utf-8"?>
 <p:sld xmlns:a="http://schemas.openxmlformats.org/drawingml/2006/main" xmlns:r="http://schemas.openxmlformats.org/officeDocument/2006/relationships" xmlns:p="http://schemas.openxmlformats.org/presentationml/2006/main">
   <p:cSld>
     <p:spTree>
@@ -9306,7 +9470,7 @@
 </p:sld>
 </file>
 
-<file path=ppt/slides/slide12.xml><?xml version="1.0" encoding="utf-8"?>
+<file path=ppt/slides/slide13.xml><?xml version="1.0" encoding="utf-8"?>
 <p:sld xmlns:a="http://schemas.openxmlformats.org/drawingml/2006/main" xmlns:r="http://schemas.openxmlformats.org/officeDocument/2006/relationships" xmlns:p="http://schemas.openxmlformats.org/presentationml/2006/main">
   <p:cSld>
     <p:spTree>
@@ -9358,7 +9522,7 @@
 </p:sld>
 </file>
 
-<file path=ppt/slides/slide13.xml><?xml version="1.0" encoding="utf-8"?>
+<file path=ppt/slides/slide14.xml><?xml version="1.0" encoding="utf-8"?>
 <p:sld xmlns:a="http://schemas.openxmlformats.org/drawingml/2006/main" xmlns:r="http://schemas.openxmlformats.org/officeDocument/2006/relationships" xmlns:p="http://schemas.openxmlformats.org/presentationml/2006/main">
   <p:cSld>
     <p:spTree>
@@ -9432,7 +9596,7 @@
 </p:sld>
 </file>
 
-<file path=ppt/slides/slide14.xml><?xml version="1.0" encoding="utf-8"?>
+<file path=ppt/slides/slide15.xml><?xml version="1.0" encoding="utf-8"?>
 <p:sld xmlns:a="http://schemas.openxmlformats.org/drawingml/2006/main" xmlns:r="http://schemas.openxmlformats.org/officeDocument/2006/relationships" xmlns:p="http://schemas.openxmlformats.org/presentationml/2006/main">
   <p:cSld>
     <p:spTree>
@@ -10582,8 +10746,12 @@
           <a:lstStyle/>
           <a:p>
             <a:r>
+              <a:rPr lang="de-CH" dirty="0"/>
+              <a:t>A </a:t>
+            </a:r>
+            <a:r>
               <a:rPr lang="de-CH" dirty="0" err="1"/>
-              <a:t>To</a:t>
+              <a:t>proof</a:t>
             </a:r>
             <a:r>
               <a:rPr lang="de-CH" dirty="0"/>
@@ -10591,7 +10759,23 @@
             </a:r>
             <a:r>
               <a:rPr lang="de-CH" dirty="0" err="1"/>
-              <a:t>validate</a:t>
+              <a:t>of</a:t>
+            </a:r>
+            <a:r>
+              <a:rPr lang="de-CH" dirty="0"/>
+              <a:t> </a:t>
+            </a:r>
+            <a:r>
+              <a:rPr lang="de-CH" dirty="0" err="1"/>
+              <a:t>concept</a:t>
+            </a:r>
+            <a:r>
+              <a:rPr lang="de-CH" dirty="0"/>
+              <a:t> </a:t>
+            </a:r>
+            <a:r>
+              <a:rPr lang="de-CH" dirty="0" err="1"/>
+              <a:t>for</a:t>
             </a:r>
             <a:r>
               <a:rPr lang="de-CH" dirty="0"/>
@@ -10611,31 +10795,7 @@
             </a:r>
             <a:r>
               <a:rPr lang="de-CH" dirty="0"/>
-              <a:t> (</a:t>
-            </a:r>
-            <a:r>
-              <a:rPr lang="de-CH" dirty="0" err="1"/>
-              <a:t>proof</a:t>
-            </a:r>
-            <a:r>
-              <a:rPr lang="de-CH" dirty="0"/>
               <a:t> </a:t>
-            </a:r>
-            <a:r>
-              <a:rPr lang="de-CH" dirty="0" err="1"/>
-              <a:t>of</a:t>
-            </a:r>
-            <a:r>
-              <a:rPr lang="de-CH" dirty="0"/>
-              <a:t> </a:t>
-            </a:r>
-            <a:r>
-              <a:rPr lang="de-CH" dirty="0" err="1"/>
-              <a:t>concept</a:t>
-            </a:r>
-            <a:r>
-              <a:rPr lang="de-CH" dirty="0"/>
-              <a:t>)</a:t>
             </a:r>
           </a:p>
           <a:p>
@@ -11011,7 +11171,15 @@
           <a:p>
             <a:r>
               <a:rPr lang="en-GB" sz="1600" dirty="0"/>
-              <a:t>Moss et al (2012)’s virtual population of Guyton’s model of whole-body circulatory regulation model was sampled </a:t>
+              <a:t>Data from Moss et al (2012)</a:t>
+            </a:r>
+            <a:r>
+              <a:rPr lang="en-GB" sz="1600" baseline="30000" dirty="0"/>
+              <a:t>1</a:t>
+            </a:r>
+            <a:r>
+              <a:rPr lang="en-GB" sz="1600" dirty="0"/>
+              <a:t>’s virtual population of Guyton’s model of whole-body circulatory regulation model was sampled </a:t>
             </a:r>
             <a:endParaRPr lang="en-GB" dirty="0"/>
           </a:p>
@@ -11051,10 +11219,258 @@
             </a:r>
             <a:r>
               <a:rPr lang="en-GB" sz="1600" dirty="0"/>
-              <a:t>, MAP, HR, </a:t>
+              <a:t>, MAP, HR over four </a:t>
+            </a:r>
+            <a:r>
+              <a:rPr lang="en-GB" sz="1600" dirty="0" err="1"/>
+              <a:t>unequispaced</a:t>
+            </a:r>
+            <a:r>
+              <a:rPr lang="en-GB" sz="1600" dirty="0"/>
+              <a:t> time points: 1 hour, 1 day, 1 week and 1 month</a:t>
             </a:r>
             <a:endParaRPr lang="en-GB" dirty="0">
               <a:effectLst/>
+            </a:endParaRPr>
+          </a:p>
+        </p:txBody>
+      </p:sp>
+      <p:sp>
+        <p:nvSpPr>
+          <p:cNvPr id="4" name="Text Placeholder 17">
+            <a:extLst>
+              <a:ext uri="{FF2B5EF4-FFF2-40B4-BE49-F238E27FC236}">
+                <a16:creationId xmlns:a16="http://schemas.microsoft.com/office/drawing/2014/main" id="{A442327A-7AA2-D14F-BBC1-2C610A5C32DC}"/>
+              </a:ext>
+            </a:extLst>
+          </p:cNvPr>
+          <p:cNvSpPr txBox="1">
+            <a:spLocks/>
+          </p:cNvSpPr>
+          <p:nvPr/>
+        </p:nvSpPr>
+        <p:spPr>
+          <a:xfrm>
+            <a:off x="1187624" y="4817165"/>
+            <a:ext cx="7776864" cy="326335"/>
+          </a:xfrm>
+          <a:prstGeom prst="rect">
+            <a:avLst/>
+          </a:prstGeom>
+        </p:spPr>
+        <p:txBody>
+          <a:bodyPr/>
+          <a:lstStyle>
+            <a:lvl1pPr marL="257106" indent="-257106" algn="l" defTabSz="685617" rtl="0" eaLnBrk="1" latinLnBrk="0" hangingPunct="1">
+              <a:spcBef>
+                <a:spcPct val="20000"/>
+              </a:spcBef>
+              <a:buFont typeface="Arial" pitchFamily="34" charset="0"/>
+              <a:buChar char="•"/>
+              <a:defRPr sz="2400" kern="1200">
+                <a:solidFill>
+                  <a:schemeClr val="tx1"/>
+                </a:solidFill>
+                <a:latin typeface="+mn-lt"/>
+                <a:ea typeface="+mn-ea"/>
+                <a:cs typeface="+mn-cs"/>
+              </a:defRPr>
+            </a:lvl1pPr>
+            <a:lvl2pPr marL="557064" indent="-214255" algn="l" defTabSz="685617" rtl="0" eaLnBrk="1" latinLnBrk="0" hangingPunct="1">
+              <a:spcBef>
+                <a:spcPct val="20000"/>
+              </a:spcBef>
+              <a:buFont typeface="Arial" pitchFamily="34" charset="0"/>
+              <a:buChar char="–"/>
+              <a:defRPr sz="2100" kern="1200">
+                <a:solidFill>
+                  <a:schemeClr val="tx1"/>
+                </a:solidFill>
+                <a:latin typeface="+mn-lt"/>
+                <a:ea typeface="+mn-ea"/>
+                <a:cs typeface="+mn-cs"/>
+              </a:defRPr>
+            </a:lvl2pPr>
+            <a:lvl3pPr marL="857021" indent="-171404" algn="l" defTabSz="685617" rtl="0" eaLnBrk="1" latinLnBrk="0" hangingPunct="1">
+              <a:spcBef>
+                <a:spcPct val="20000"/>
+              </a:spcBef>
+              <a:buFont typeface="Arial" pitchFamily="34" charset="0"/>
+              <a:buChar char="•"/>
+              <a:defRPr sz="1800" kern="1200">
+                <a:solidFill>
+                  <a:schemeClr val="tx1"/>
+                </a:solidFill>
+                <a:latin typeface="+mn-lt"/>
+                <a:ea typeface="+mn-ea"/>
+                <a:cs typeface="+mn-cs"/>
+              </a:defRPr>
+            </a:lvl3pPr>
+            <a:lvl4pPr marL="1199830" indent="-171404" algn="l" defTabSz="685617" rtl="0" eaLnBrk="1" latinLnBrk="0" hangingPunct="1">
+              <a:spcBef>
+                <a:spcPct val="20000"/>
+              </a:spcBef>
+              <a:buFont typeface="Arial" pitchFamily="34" charset="0"/>
+              <a:buChar char="–"/>
+              <a:defRPr sz="1500" kern="1200">
+                <a:solidFill>
+                  <a:schemeClr val="tx1"/>
+                </a:solidFill>
+                <a:latin typeface="+mn-lt"/>
+                <a:ea typeface="+mn-ea"/>
+                <a:cs typeface="+mn-cs"/>
+              </a:defRPr>
+            </a:lvl4pPr>
+            <a:lvl5pPr marL="1542639" indent="-171404" algn="l" defTabSz="685617" rtl="0" eaLnBrk="1" latinLnBrk="0" hangingPunct="1">
+              <a:spcBef>
+                <a:spcPct val="20000"/>
+              </a:spcBef>
+              <a:buFont typeface="Arial" pitchFamily="34" charset="0"/>
+              <a:buChar char="»"/>
+              <a:defRPr sz="1500" kern="1200">
+                <a:solidFill>
+                  <a:schemeClr val="tx1"/>
+                </a:solidFill>
+                <a:latin typeface="+mn-lt"/>
+                <a:ea typeface="+mn-ea"/>
+                <a:cs typeface="+mn-cs"/>
+              </a:defRPr>
+            </a:lvl5pPr>
+            <a:lvl6pPr marL="1885447" indent="-171404" algn="l" defTabSz="685617" rtl="0" eaLnBrk="1" latinLnBrk="0" hangingPunct="1">
+              <a:spcBef>
+                <a:spcPct val="20000"/>
+              </a:spcBef>
+              <a:buFont typeface="Arial" pitchFamily="34" charset="0"/>
+              <a:buChar char="•"/>
+              <a:defRPr sz="1500" kern="1200">
+                <a:solidFill>
+                  <a:schemeClr val="tx1"/>
+                </a:solidFill>
+                <a:latin typeface="+mn-lt"/>
+                <a:ea typeface="+mn-ea"/>
+                <a:cs typeface="+mn-cs"/>
+              </a:defRPr>
+            </a:lvl6pPr>
+            <a:lvl7pPr marL="2228256" indent="-171404" algn="l" defTabSz="685617" rtl="0" eaLnBrk="1" latinLnBrk="0" hangingPunct="1">
+              <a:spcBef>
+                <a:spcPct val="20000"/>
+              </a:spcBef>
+              <a:buFont typeface="Arial" pitchFamily="34" charset="0"/>
+              <a:buChar char="•"/>
+              <a:defRPr sz="1500" kern="1200">
+                <a:solidFill>
+                  <a:schemeClr val="tx1"/>
+                </a:solidFill>
+                <a:latin typeface="+mn-lt"/>
+                <a:ea typeface="+mn-ea"/>
+                <a:cs typeface="+mn-cs"/>
+              </a:defRPr>
+            </a:lvl7pPr>
+            <a:lvl8pPr marL="2571064" indent="-171404" algn="l" defTabSz="685617" rtl="0" eaLnBrk="1" latinLnBrk="0" hangingPunct="1">
+              <a:spcBef>
+                <a:spcPct val="20000"/>
+              </a:spcBef>
+              <a:buFont typeface="Arial" pitchFamily="34" charset="0"/>
+              <a:buChar char="•"/>
+              <a:defRPr sz="1500" kern="1200">
+                <a:solidFill>
+                  <a:schemeClr val="tx1"/>
+                </a:solidFill>
+                <a:latin typeface="+mn-lt"/>
+                <a:ea typeface="+mn-ea"/>
+                <a:cs typeface="+mn-cs"/>
+              </a:defRPr>
+            </a:lvl8pPr>
+            <a:lvl9pPr marL="2913873" indent="-171404" algn="l" defTabSz="685617" rtl="0" eaLnBrk="1" latinLnBrk="0" hangingPunct="1">
+              <a:spcBef>
+                <a:spcPct val="20000"/>
+              </a:spcBef>
+              <a:buFont typeface="Arial" pitchFamily="34" charset="0"/>
+              <a:buChar char="•"/>
+              <a:defRPr sz="1500" kern="1200">
+                <a:solidFill>
+                  <a:schemeClr val="tx1"/>
+                </a:solidFill>
+                <a:latin typeface="+mn-lt"/>
+                <a:ea typeface="+mn-ea"/>
+                <a:cs typeface="+mn-cs"/>
+              </a:defRPr>
+            </a:lvl9pPr>
+          </a:lstStyle>
+          <a:p>
+            <a:pPr>
+              <a:buFont typeface="+mj-lt"/>
+              <a:buAutoNum type="arabicPeriod"/>
+            </a:pPr>
+            <a:r>
+              <a:rPr lang="en-GB" sz="800" dirty="0">
+                <a:latin typeface="Century Gothic" panose="020B0502020202020204" pitchFamily="34" charset="0"/>
+              </a:rPr>
+              <a:t>Moss R, Grosse T, Marchant I, </a:t>
+            </a:r>
+            <a:r>
+              <a:rPr lang="en-GB" sz="800" dirty="0" err="1">
+                <a:latin typeface="Century Gothic" panose="020B0502020202020204" pitchFamily="34" charset="0"/>
+              </a:rPr>
+              <a:t>Lassau</a:t>
+            </a:r>
+            <a:r>
+              <a:rPr lang="en-GB" sz="800" dirty="0">
+                <a:latin typeface="Century Gothic" panose="020B0502020202020204" pitchFamily="34" charset="0"/>
+              </a:rPr>
+              <a:t> N, </a:t>
+            </a:r>
+            <a:r>
+              <a:rPr lang="en-GB" sz="800" dirty="0" err="1">
+                <a:latin typeface="Century Gothic" panose="020B0502020202020204" pitchFamily="34" charset="0"/>
+              </a:rPr>
+              <a:t>Gueyffier</a:t>
+            </a:r>
+            <a:r>
+              <a:rPr lang="en-GB" sz="800" dirty="0">
+                <a:latin typeface="Century Gothic" panose="020B0502020202020204" pitchFamily="34" charset="0"/>
+              </a:rPr>
+              <a:t> F, et al. (2012) Virtual Patients and Sensitivity Analysis of the Guyton Model of Blood Pressure Regulation: Towards Individualized Models of Whole-Body Physiology. </a:t>
+            </a:r>
+            <a:r>
+              <a:rPr lang="en-GB" sz="800" dirty="0" err="1">
+                <a:latin typeface="Century Gothic" panose="020B0502020202020204" pitchFamily="34" charset="0"/>
+              </a:rPr>
+              <a:t>PLoS</a:t>
+            </a:r>
+            <a:r>
+              <a:rPr lang="en-GB" sz="800" dirty="0">
+                <a:latin typeface="Century Gothic" panose="020B0502020202020204" pitchFamily="34" charset="0"/>
+              </a:rPr>
+              <a:t> </a:t>
+            </a:r>
+            <a:r>
+              <a:rPr lang="en-GB" sz="800" dirty="0" err="1">
+                <a:latin typeface="Century Gothic" panose="020B0502020202020204" pitchFamily="34" charset="0"/>
+              </a:rPr>
+              <a:t>Comput</a:t>
+            </a:r>
+            <a:r>
+              <a:rPr lang="en-GB" sz="800" dirty="0">
+                <a:latin typeface="Century Gothic" panose="020B0502020202020204" pitchFamily="34" charset="0"/>
+              </a:rPr>
+              <a:t> </a:t>
+            </a:r>
+            <a:r>
+              <a:rPr lang="en-GB" sz="800" dirty="0" err="1">
+                <a:latin typeface="Century Gothic" panose="020B0502020202020204" pitchFamily="34" charset="0"/>
+              </a:rPr>
+              <a:t>Biol</a:t>
+            </a:r>
+            <a:r>
+              <a:rPr lang="en-GB" sz="800" dirty="0">
+                <a:latin typeface="Century Gothic" panose="020B0502020202020204" pitchFamily="34" charset="0"/>
+              </a:rPr>
+              <a:t> 8(6): e1002571. doi:10.1371/journal.pcbi.1002571 </a:t>
+            </a:r>
+            <a:endParaRPr lang="en-GB" sz="800" dirty="0">
+              <a:effectLst/>
+              <a:latin typeface="Century Gothic" panose="020B0502020202020204" pitchFamily="34" charset="0"/>
             </a:endParaRPr>
           </a:p>
         </p:txBody>
@@ -11286,6 +11702,451 @@
           </a:prstGeom>
         </p:spPr>
       </p:pic>
+      <p:sp>
+        <p:nvSpPr>
+          <p:cNvPr id="6" name="Text Placeholder 4">
+            <a:extLst>
+              <a:ext uri="{FF2B5EF4-FFF2-40B4-BE49-F238E27FC236}">
+                <a16:creationId xmlns:a16="http://schemas.microsoft.com/office/drawing/2014/main" id="{ECD5BD64-37F0-FE46-A7D2-BBE623E9EADE}"/>
+              </a:ext>
+            </a:extLst>
+          </p:cNvPr>
+          <p:cNvSpPr txBox="1">
+            <a:spLocks/>
+          </p:cNvSpPr>
+          <p:nvPr/>
+        </p:nvSpPr>
+        <p:spPr>
+          <a:xfrm>
+            <a:off x="357742" y="4434919"/>
+            <a:ext cx="4249787" cy="378116"/>
+          </a:xfrm>
+          <a:prstGeom prst="rect">
+            <a:avLst/>
+          </a:prstGeom>
+        </p:spPr>
+        <p:txBody>
+          <a:bodyPr lIns="68562" tIns="34281" rIns="68562" bIns="34281"/>
+          <a:lstStyle>
+            <a:lvl1pPr marL="64277" indent="0" algn="l" defTabSz="685617" rtl="0" eaLnBrk="1" latinLnBrk="0" hangingPunct="1">
+              <a:lnSpc>
+                <a:spcPct val="100000"/>
+              </a:lnSpc>
+              <a:spcBef>
+                <a:spcPts val="0"/>
+              </a:spcBef>
+              <a:buClr>
+                <a:srgbClr val="6D0303"/>
+              </a:buClr>
+              <a:buFontTx/>
+              <a:buNone/>
+              <a:defRPr sz="1800" b="0" kern="1200">
+                <a:solidFill>
+                  <a:schemeClr val="tx1"/>
+                </a:solidFill>
+                <a:latin typeface="Century Gothic" pitchFamily="34" charset="0"/>
+                <a:ea typeface="+mn-ea"/>
+                <a:cs typeface="+mn-cs"/>
+              </a:defRPr>
+            </a:lvl1pPr>
+            <a:lvl2pPr marL="557064" indent="-214255" algn="l" defTabSz="685617" rtl="0" eaLnBrk="1" latinLnBrk="0" hangingPunct="1">
+              <a:spcBef>
+                <a:spcPct val="20000"/>
+              </a:spcBef>
+              <a:buClr>
+                <a:schemeClr val="tx1"/>
+              </a:buClr>
+              <a:buFont typeface="Wingdings" pitchFamily="2" charset="2"/>
+              <a:buChar char="§"/>
+              <a:defRPr sz="2100" kern="1200">
+                <a:solidFill>
+                  <a:schemeClr val="tx1"/>
+                </a:solidFill>
+                <a:latin typeface="Century Gothic" pitchFamily="34" charset="0"/>
+                <a:ea typeface="+mn-ea"/>
+                <a:cs typeface="+mn-cs"/>
+              </a:defRPr>
+            </a:lvl2pPr>
+            <a:lvl3pPr marL="857021" indent="-171404" algn="l" defTabSz="685617" rtl="0" eaLnBrk="1" latinLnBrk="0" hangingPunct="1">
+              <a:spcBef>
+                <a:spcPct val="20000"/>
+              </a:spcBef>
+              <a:buClr>
+                <a:srgbClr val="616161"/>
+              </a:buClr>
+              <a:buFont typeface="Wingdings" pitchFamily="2" charset="2"/>
+              <a:buChar char="§"/>
+              <a:defRPr sz="1800" kern="1200">
+                <a:solidFill>
+                  <a:schemeClr val="tx1"/>
+                </a:solidFill>
+                <a:latin typeface="Century Gothic" pitchFamily="34" charset="0"/>
+                <a:ea typeface="+mn-ea"/>
+                <a:cs typeface="+mn-cs"/>
+              </a:defRPr>
+            </a:lvl3pPr>
+            <a:lvl4pPr marL="1199830" indent="-171404" algn="l" defTabSz="685617" rtl="0" eaLnBrk="1" latinLnBrk="0" hangingPunct="1">
+              <a:spcBef>
+                <a:spcPct val="20000"/>
+              </a:spcBef>
+              <a:buClr>
+                <a:srgbClr val="6D0303"/>
+              </a:buClr>
+              <a:buFont typeface="Arial" pitchFamily="34" charset="0"/>
+              <a:buChar char="•"/>
+              <a:defRPr sz="1500" kern="1200">
+                <a:solidFill>
+                  <a:schemeClr val="tx1"/>
+                </a:solidFill>
+                <a:latin typeface="Century Gothic" pitchFamily="34" charset="0"/>
+                <a:ea typeface="+mn-ea"/>
+                <a:cs typeface="+mn-cs"/>
+              </a:defRPr>
+            </a:lvl4pPr>
+            <a:lvl5pPr marL="1548590" indent="-177356" algn="l" defTabSz="685617" rtl="0" eaLnBrk="1" latinLnBrk="0" hangingPunct="1">
+              <a:spcBef>
+                <a:spcPct val="20000"/>
+              </a:spcBef>
+              <a:buClr>
+                <a:schemeClr val="tx1"/>
+              </a:buClr>
+              <a:buFont typeface="Arial" pitchFamily="34" charset="0"/>
+              <a:buChar char="•"/>
+              <a:defRPr sz="1500" kern="1200">
+                <a:solidFill>
+                  <a:schemeClr val="tx1"/>
+                </a:solidFill>
+                <a:latin typeface="Century Gothic" pitchFamily="34" charset="0"/>
+                <a:ea typeface="+mn-ea"/>
+                <a:cs typeface="+mn-cs"/>
+              </a:defRPr>
+            </a:lvl5pPr>
+            <a:lvl6pPr marL="1885447" indent="-171404" algn="l" defTabSz="685617" rtl="0" eaLnBrk="1" latinLnBrk="0" hangingPunct="1">
+              <a:spcBef>
+                <a:spcPct val="20000"/>
+              </a:spcBef>
+              <a:buFont typeface="Arial" pitchFamily="34" charset="0"/>
+              <a:buChar char="•"/>
+              <a:defRPr sz="1500" kern="1200">
+                <a:solidFill>
+                  <a:schemeClr val="tx1"/>
+                </a:solidFill>
+                <a:latin typeface="+mn-lt"/>
+                <a:ea typeface="+mn-ea"/>
+                <a:cs typeface="+mn-cs"/>
+              </a:defRPr>
+            </a:lvl6pPr>
+            <a:lvl7pPr marL="2228256" indent="-171404" algn="l" defTabSz="685617" rtl="0" eaLnBrk="1" latinLnBrk="0" hangingPunct="1">
+              <a:spcBef>
+                <a:spcPct val="20000"/>
+              </a:spcBef>
+              <a:buFont typeface="Arial" pitchFamily="34" charset="0"/>
+              <a:buChar char="•"/>
+              <a:defRPr sz="1500" kern="1200">
+                <a:solidFill>
+                  <a:schemeClr val="tx1"/>
+                </a:solidFill>
+                <a:latin typeface="+mn-lt"/>
+                <a:ea typeface="+mn-ea"/>
+                <a:cs typeface="+mn-cs"/>
+              </a:defRPr>
+            </a:lvl7pPr>
+            <a:lvl8pPr marL="2571064" indent="-171404" algn="l" defTabSz="685617" rtl="0" eaLnBrk="1" latinLnBrk="0" hangingPunct="1">
+              <a:spcBef>
+                <a:spcPct val="20000"/>
+              </a:spcBef>
+              <a:buFont typeface="Arial" pitchFamily="34" charset="0"/>
+              <a:buChar char="•"/>
+              <a:defRPr sz="1500" kern="1200">
+                <a:solidFill>
+                  <a:schemeClr val="tx1"/>
+                </a:solidFill>
+                <a:latin typeface="+mn-lt"/>
+                <a:ea typeface="+mn-ea"/>
+                <a:cs typeface="+mn-cs"/>
+              </a:defRPr>
+            </a:lvl8pPr>
+            <a:lvl9pPr marL="2913873" indent="-171404" algn="l" defTabSz="685617" rtl="0" eaLnBrk="1" latinLnBrk="0" hangingPunct="1">
+              <a:spcBef>
+                <a:spcPct val="20000"/>
+              </a:spcBef>
+              <a:buFont typeface="Arial" pitchFamily="34" charset="0"/>
+              <a:buChar char="•"/>
+              <a:defRPr sz="1500" kern="1200">
+                <a:solidFill>
+                  <a:schemeClr val="tx1"/>
+                </a:solidFill>
+                <a:latin typeface="+mn-lt"/>
+                <a:ea typeface="+mn-ea"/>
+                <a:cs typeface="+mn-cs"/>
+              </a:defRPr>
+            </a:lvl9pPr>
+          </a:lstStyle>
+          <a:p>
+            <a:r>
+              <a:rPr lang="de-CH" sz="900" dirty="0" err="1"/>
+              <a:t>Fig</a:t>
+            </a:r>
+            <a:r>
+              <a:rPr lang="de-CH" sz="900" dirty="0"/>
+              <a:t> A : Distribution </a:t>
+            </a:r>
+            <a:r>
+              <a:rPr lang="de-CH" sz="900" dirty="0" err="1"/>
+              <a:t>of</a:t>
+            </a:r>
+            <a:r>
+              <a:rPr lang="de-CH" sz="900" dirty="0"/>
+              <a:t> GFR </a:t>
+            </a:r>
+            <a:r>
+              <a:rPr lang="de-CH" sz="900" dirty="0" err="1"/>
+              <a:t>as</a:t>
+            </a:r>
+            <a:r>
+              <a:rPr lang="de-CH" sz="900" dirty="0"/>
+              <a:t> </a:t>
+            </a:r>
+            <a:r>
+              <a:rPr lang="de-CH" sz="900" dirty="0" err="1"/>
+              <a:t>outcome</a:t>
+            </a:r>
+            <a:r>
+              <a:rPr lang="de-CH" sz="900" dirty="0"/>
+              <a:t> variable (90 L/min </a:t>
+            </a:r>
+            <a:r>
+              <a:rPr lang="de-CH" sz="900" dirty="0" err="1"/>
+              <a:t>threshold</a:t>
+            </a:r>
+            <a:r>
+              <a:rPr lang="de-CH" sz="900" dirty="0"/>
+              <a:t>)</a:t>
+            </a:r>
+          </a:p>
+        </p:txBody>
+      </p:sp>
+      <p:sp>
+        <p:nvSpPr>
+          <p:cNvPr id="7" name="Text Placeholder 4">
+            <a:extLst>
+              <a:ext uri="{FF2B5EF4-FFF2-40B4-BE49-F238E27FC236}">
+                <a16:creationId xmlns:a16="http://schemas.microsoft.com/office/drawing/2014/main" id="{83940ED8-86A3-654F-AE06-3F79D273ACF5}"/>
+              </a:ext>
+            </a:extLst>
+          </p:cNvPr>
+          <p:cNvSpPr txBox="1">
+            <a:spLocks/>
+          </p:cNvSpPr>
+          <p:nvPr/>
+        </p:nvSpPr>
+        <p:spPr>
+          <a:xfrm>
+            <a:off x="5016970" y="4436197"/>
+            <a:ext cx="4249787" cy="378116"/>
+          </a:xfrm>
+          <a:prstGeom prst="rect">
+            <a:avLst/>
+          </a:prstGeom>
+        </p:spPr>
+        <p:txBody>
+          <a:bodyPr lIns="68562" tIns="34281" rIns="68562" bIns="34281"/>
+          <a:lstStyle>
+            <a:lvl1pPr marL="64277" indent="0" algn="l" defTabSz="685617" rtl="0" eaLnBrk="1" latinLnBrk="0" hangingPunct="1">
+              <a:lnSpc>
+                <a:spcPct val="100000"/>
+              </a:lnSpc>
+              <a:spcBef>
+                <a:spcPts val="0"/>
+              </a:spcBef>
+              <a:buClr>
+                <a:srgbClr val="6D0303"/>
+              </a:buClr>
+              <a:buFontTx/>
+              <a:buNone/>
+              <a:defRPr sz="1800" b="0" kern="1200">
+                <a:solidFill>
+                  <a:schemeClr val="tx1"/>
+                </a:solidFill>
+                <a:latin typeface="Century Gothic" pitchFamily="34" charset="0"/>
+                <a:ea typeface="+mn-ea"/>
+                <a:cs typeface="+mn-cs"/>
+              </a:defRPr>
+            </a:lvl1pPr>
+            <a:lvl2pPr marL="557064" indent="-214255" algn="l" defTabSz="685617" rtl="0" eaLnBrk="1" latinLnBrk="0" hangingPunct="1">
+              <a:spcBef>
+                <a:spcPct val="20000"/>
+              </a:spcBef>
+              <a:buClr>
+                <a:schemeClr val="tx1"/>
+              </a:buClr>
+              <a:buFont typeface="Wingdings" pitchFamily="2" charset="2"/>
+              <a:buChar char="§"/>
+              <a:defRPr sz="2100" kern="1200">
+                <a:solidFill>
+                  <a:schemeClr val="tx1"/>
+                </a:solidFill>
+                <a:latin typeface="Century Gothic" pitchFamily="34" charset="0"/>
+                <a:ea typeface="+mn-ea"/>
+                <a:cs typeface="+mn-cs"/>
+              </a:defRPr>
+            </a:lvl2pPr>
+            <a:lvl3pPr marL="857021" indent="-171404" algn="l" defTabSz="685617" rtl="0" eaLnBrk="1" latinLnBrk="0" hangingPunct="1">
+              <a:spcBef>
+                <a:spcPct val="20000"/>
+              </a:spcBef>
+              <a:buClr>
+                <a:srgbClr val="616161"/>
+              </a:buClr>
+              <a:buFont typeface="Wingdings" pitchFamily="2" charset="2"/>
+              <a:buChar char="§"/>
+              <a:defRPr sz="1800" kern="1200">
+                <a:solidFill>
+                  <a:schemeClr val="tx1"/>
+                </a:solidFill>
+                <a:latin typeface="Century Gothic" pitchFamily="34" charset="0"/>
+                <a:ea typeface="+mn-ea"/>
+                <a:cs typeface="+mn-cs"/>
+              </a:defRPr>
+            </a:lvl3pPr>
+            <a:lvl4pPr marL="1199830" indent="-171404" algn="l" defTabSz="685617" rtl="0" eaLnBrk="1" latinLnBrk="0" hangingPunct="1">
+              <a:spcBef>
+                <a:spcPct val="20000"/>
+              </a:spcBef>
+              <a:buClr>
+                <a:srgbClr val="6D0303"/>
+              </a:buClr>
+              <a:buFont typeface="Arial" pitchFamily="34" charset="0"/>
+              <a:buChar char="•"/>
+              <a:defRPr sz="1500" kern="1200">
+                <a:solidFill>
+                  <a:schemeClr val="tx1"/>
+                </a:solidFill>
+                <a:latin typeface="Century Gothic" pitchFamily="34" charset="0"/>
+                <a:ea typeface="+mn-ea"/>
+                <a:cs typeface="+mn-cs"/>
+              </a:defRPr>
+            </a:lvl4pPr>
+            <a:lvl5pPr marL="1548590" indent="-177356" algn="l" defTabSz="685617" rtl="0" eaLnBrk="1" latinLnBrk="0" hangingPunct="1">
+              <a:spcBef>
+                <a:spcPct val="20000"/>
+              </a:spcBef>
+              <a:buClr>
+                <a:schemeClr val="tx1"/>
+              </a:buClr>
+              <a:buFont typeface="Arial" pitchFamily="34" charset="0"/>
+              <a:buChar char="•"/>
+              <a:defRPr sz="1500" kern="1200">
+                <a:solidFill>
+                  <a:schemeClr val="tx1"/>
+                </a:solidFill>
+                <a:latin typeface="Century Gothic" pitchFamily="34" charset="0"/>
+                <a:ea typeface="+mn-ea"/>
+                <a:cs typeface="+mn-cs"/>
+              </a:defRPr>
+            </a:lvl5pPr>
+            <a:lvl6pPr marL="1885447" indent="-171404" algn="l" defTabSz="685617" rtl="0" eaLnBrk="1" latinLnBrk="0" hangingPunct="1">
+              <a:spcBef>
+                <a:spcPct val="20000"/>
+              </a:spcBef>
+              <a:buFont typeface="Arial" pitchFamily="34" charset="0"/>
+              <a:buChar char="•"/>
+              <a:defRPr sz="1500" kern="1200">
+                <a:solidFill>
+                  <a:schemeClr val="tx1"/>
+                </a:solidFill>
+                <a:latin typeface="+mn-lt"/>
+                <a:ea typeface="+mn-ea"/>
+                <a:cs typeface="+mn-cs"/>
+              </a:defRPr>
+            </a:lvl6pPr>
+            <a:lvl7pPr marL="2228256" indent="-171404" algn="l" defTabSz="685617" rtl="0" eaLnBrk="1" latinLnBrk="0" hangingPunct="1">
+              <a:spcBef>
+                <a:spcPct val="20000"/>
+              </a:spcBef>
+              <a:buFont typeface="Arial" pitchFamily="34" charset="0"/>
+              <a:buChar char="•"/>
+              <a:defRPr sz="1500" kern="1200">
+                <a:solidFill>
+                  <a:schemeClr val="tx1"/>
+                </a:solidFill>
+                <a:latin typeface="+mn-lt"/>
+                <a:ea typeface="+mn-ea"/>
+                <a:cs typeface="+mn-cs"/>
+              </a:defRPr>
+            </a:lvl7pPr>
+            <a:lvl8pPr marL="2571064" indent="-171404" algn="l" defTabSz="685617" rtl="0" eaLnBrk="1" latinLnBrk="0" hangingPunct="1">
+              <a:spcBef>
+                <a:spcPct val="20000"/>
+              </a:spcBef>
+              <a:buFont typeface="Arial" pitchFamily="34" charset="0"/>
+              <a:buChar char="•"/>
+              <a:defRPr sz="1500" kern="1200">
+                <a:solidFill>
+                  <a:schemeClr val="tx1"/>
+                </a:solidFill>
+                <a:latin typeface="+mn-lt"/>
+                <a:ea typeface="+mn-ea"/>
+                <a:cs typeface="+mn-cs"/>
+              </a:defRPr>
+            </a:lvl8pPr>
+            <a:lvl9pPr marL="2913873" indent="-171404" algn="l" defTabSz="685617" rtl="0" eaLnBrk="1" latinLnBrk="0" hangingPunct="1">
+              <a:spcBef>
+                <a:spcPct val="20000"/>
+              </a:spcBef>
+              <a:buFont typeface="Arial" pitchFamily="34" charset="0"/>
+              <a:buChar char="•"/>
+              <a:defRPr sz="1500" kern="1200">
+                <a:solidFill>
+                  <a:schemeClr val="tx1"/>
+                </a:solidFill>
+                <a:latin typeface="+mn-lt"/>
+                <a:ea typeface="+mn-ea"/>
+                <a:cs typeface="+mn-cs"/>
+              </a:defRPr>
+            </a:lvl9pPr>
+          </a:lstStyle>
+          <a:p>
+            <a:r>
+              <a:rPr lang="de-CH" sz="900" dirty="0" err="1"/>
+              <a:t>Fig</a:t>
+            </a:r>
+            <a:r>
+              <a:rPr lang="de-CH" sz="900" dirty="0"/>
+              <a:t> B : Distribution </a:t>
+            </a:r>
+            <a:r>
+              <a:rPr lang="de-CH" sz="900" dirty="0" err="1"/>
+              <a:t>of</a:t>
+            </a:r>
+            <a:r>
+              <a:rPr lang="de-CH" sz="900" dirty="0"/>
+              <a:t> MAP (110 L/min </a:t>
+            </a:r>
+            <a:r>
+              <a:rPr lang="de-CH" sz="900" dirty="0" err="1"/>
+              <a:t>threshold</a:t>
+            </a:r>
+            <a:r>
+              <a:rPr lang="de-CH" sz="900" dirty="0"/>
+              <a:t>) </a:t>
+            </a:r>
+            <a:r>
+              <a:rPr lang="de-CH" sz="900" dirty="0" err="1"/>
+              <a:t>as</a:t>
+            </a:r>
+            <a:r>
+              <a:rPr lang="de-CH" sz="900" dirty="0"/>
+              <a:t> </a:t>
+            </a:r>
+            <a:r>
+              <a:rPr lang="de-CH" sz="900" dirty="0" err="1"/>
+              <a:t>covariate</a:t>
+            </a:r>
+            <a:endParaRPr lang="de-CH" sz="900" dirty="0"/>
+          </a:p>
+        </p:txBody>
+      </p:sp>
     </p:spTree>
     <p:extLst>
       <p:ext uri="{BB962C8B-B14F-4D97-AF65-F5344CB8AC3E}">
@@ -11358,8 +12219,740 @@
           <a:lstStyle/>
           <a:p>
             <a:r>
+              <a:rPr lang="de-CH" dirty="0" err="1"/>
+              <a:t>Raw</a:t>
+            </a:r>
+            <a:r>
               <a:rPr lang="de-CH" dirty="0"/>
-              <a:t>Clustering </a:t>
+              <a:t> </a:t>
+            </a:r>
+            <a:r>
+              <a:rPr lang="de-CH" dirty="0" err="1"/>
+              <a:t>trajectories</a:t>
+            </a:r>
+            <a:r>
+              <a:rPr lang="de-CH" dirty="0"/>
+              <a:t> </a:t>
+            </a:r>
+            <a:r>
+              <a:rPr lang="de-CH" dirty="0" err="1"/>
+              <a:t>of</a:t>
+            </a:r>
+            <a:r>
+              <a:rPr lang="de-CH" dirty="0"/>
+              <a:t> GFR </a:t>
+            </a:r>
+            <a:r>
+              <a:rPr lang="de-CH" dirty="0" err="1"/>
+              <a:t>and</a:t>
+            </a:r>
+            <a:r>
+              <a:rPr lang="de-CH" dirty="0"/>
+              <a:t> MAP</a:t>
+            </a:r>
+          </a:p>
+        </p:txBody>
+      </p:sp>
+      <p:pic>
+        <p:nvPicPr>
+          <p:cNvPr id="6" name="Picture 5" descr="Chart&#10;&#10;Description automatically generated">
+            <a:extLst>
+              <a:ext uri="{FF2B5EF4-FFF2-40B4-BE49-F238E27FC236}">
+                <a16:creationId xmlns:a16="http://schemas.microsoft.com/office/drawing/2014/main" id="{C76A8E93-6A5C-8B4C-A304-82C50355BF48}"/>
+              </a:ext>
+            </a:extLst>
+          </p:cNvPr>
+          <p:cNvPicPr>
+            <a:picLocks noChangeAspect="1"/>
+          </p:cNvPicPr>
+          <p:nvPr/>
+        </p:nvPicPr>
+        <p:blipFill>
+          <a:blip r:embed="rId2">
+            <a:extLst>
+              <a:ext uri="{28A0092B-C50C-407E-A947-70E740481C1C}">
+                <a14:useLocalDpi xmlns:a14="http://schemas.microsoft.com/office/drawing/2010/main" val="0"/>
+              </a:ext>
+            </a:extLst>
+          </a:blip>
+          <a:stretch>
+            <a:fillRect/>
+          </a:stretch>
+        </p:blipFill>
+        <p:spPr>
+          <a:xfrm>
+            <a:off x="0" y="1276686"/>
+            <a:ext cx="4429299" cy="3130038"/>
+          </a:xfrm>
+          <a:prstGeom prst="rect">
+            <a:avLst/>
+          </a:prstGeom>
+        </p:spPr>
+      </p:pic>
+      <p:pic>
+        <p:nvPicPr>
+          <p:cNvPr id="9" name="Picture 8" descr="A red rectangle with text&#10;&#10;Description automatically generated with low confidence">
+            <a:extLst>
+              <a:ext uri="{FF2B5EF4-FFF2-40B4-BE49-F238E27FC236}">
+                <a16:creationId xmlns:a16="http://schemas.microsoft.com/office/drawing/2014/main" id="{9A6C1EF8-3211-5145-B282-AD9079FC7BBA}"/>
+              </a:ext>
+            </a:extLst>
+          </p:cNvPr>
+          <p:cNvPicPr>
+            <a:picLocks noChangeAspect="1"/>
+          </p:cNvPicPr>
+          <p:nvPr/>
+        </p:nvPicPr>
+        <p:blipFill>
+          <a:blip r:embed="rId3">
+            <a:extLst>
+              <a:ext uri="{28A0092B-C50C-407E-A947-70E740481C1C}">
+                <a14:useLocalDpi xmlns:a14="http://schemas.microsoft.com/office/drawing/2010/main" val="0"/>
+              </a:ext>
+            </a:extLst>
+          </a:blip>
+          <a:stretch>
+            <a:fillRect/>
+          </a:stretch>
+        </p:blipFill>
+        <p:spPr>
+          <a:xfrm>
+            <a:off x="4580797" y="1275606"/>
+            <a:ext cx="4429299" cy="3130038"/>
+          </a:xfrm>
+          <a:prstGeom prst="rect">
+            <a:avLst/>
+          </a:prstGeom>
+        </p:spPr>
+      </p:pic>
+      <p:sp>
+        <p:nvSpPr>
+          <p:cNvPr id="10" name="Text Placeholder 4">
+            <a:extLst>
+              <a:ext uri="{FF2B5EF4-FFF2-40B4-BE49-F238E27FC236}">
+                <a16:creationId xmlns:a16="http://schemas.microsoft.com/office/drawing/2014/main" id="{E905B1F8-6B22-ED4F-B7E9-500E40FF1727}"/>
+              </a:ext>
+            </a:extLst>
+          </p:cNvPr>
+          <p:cNvSpPr txBox="1">
+            <a:spLocks/>
+          </p:cNvSpPr>
+          <p:nvPr/>
+        </p:nvSpPr>
+        <p:spPr>
+          <a:xfrm>
+            <a:off x="237636" y="4299942"/>
+            <a:ext cx="4249787" cy="378116"/>
+          </a:xfrm>
+          <a:prstGeom prst="rect">
+            <a:avLst/>
+          </a:prstGeom>
+        </p:spPr>
+        <p:txBody>
+          <a:bodyPr lIns="68562" tIns="34281" rIns="68562" bIns="34281"/>
+          <a:lstStyle>
+            <a:lvl1pPr marL="64277" indent="0" algn="l" defTabSz="685617" rtl="0" eaLnBrk="1" latinLnBrk="0" hangingPunct="1">
+              <a:lnSpc>
+                <a:spcPct val="100000"/>
+              </a:lnSpc>
+              <a:spcBef>
+                <a:spcPts val="0"/>
+              </a:spcBef>
+              <a:buClr>
+                <a:srgbClr val="6D0303"/>
+              </a:buClr>
+              <a:buFontTx/>
+              <a:buNone/>
+              <a:defRPr sz="1800" b="0" kern="1200">
+                <a:solidFill>
+                  <a:schemeClr val="tx1"/>
+                </a:solidFill>
+                <a:latin typeface="Century Gothic" pitchFamily="34" charset="0"/>
+                <a:ea typeface="+mn-ea"/>
+                <a:cs typeface="+mn-cs"/>
+              </a:defRPr>
+            </a:lvl1pPr>
+            <a:lvl2pPr marL="557064" indent="-214255" algn="l" defTabSz="685617" rtl="0" eaLnBrk="1" latinLnBrk="0" hangingPunct="1">
+              <a:spcBef>
+                <a:spcPct val="20000"/>
+              </a:spcBef>
+              <a:buClr>
+                <a:schemeClr val="tx1"/>
+              </a:buClr>
+              <a:buFont typeface="Wingdings" pitchFamily="2" charset="2"/>
+              <a:buChar char="§"/>
+              <a:defRPr sz="2100" kern="1200">
+                <a:solidFill>
+                  <a:schemeClr val="tx1"/>
+                </a:solidFill>
+                <a:latin typeface="Century Gothic" pitchFamily="34" charset="0"/>
+                <a:ea typeface="+mn-ea"/>
+                <a:cs typeface="+mn-cs"/>
+              </a:defRPr>
+            </a:lvl2pPr>
+            <a:lvl3pPr marL="857021" indent="-171404" algn="l" defTabSz="685617" rtl="0" eaLnBrk="1" latinLnBrk="0" hangingPunct="1">
+              <a:spcBef>
+                <a:spcPct val="20000"/>
+              </a:spcBef>
+              <a:buClr>
+                <a:srgbClr val="616161"/>
+              </a:buClr>
+              <a:buFont typeface="Wingdings" pitchFamily="2" charset="2"/>
+              <a:buChar char="§"/>
+              <a:defRPr sz="1800" kern="1200">
+                <a:solidFill>
+                  <a:schemeClr val="tx1"/>
+                </a:solidFill>
+                <a:latin typeface="Century Gothic" pitchFamily="34" charset="0"/>
+                <a:ea typeface="+mn-ea"/>
+                <a:cs typeface="+mn-cs"/>
+              </a:defRPr>
+            </a:lvl3pPr>
+            <a:lvl4pPr marL="1199830" indent="-171404" algn="l" defTabSz="685617" rtl="0" eaLnBrk="1" latinLnBrk="0" hangingPunct="1">
+              <a:spcBef>
+                <a:spcPct val="20000"/>
+              </a:spcBef>
+              <a:buClr>
+                <a:srgbClr val="6D0303"/>
+              </a:buClr>
+              <a:buFont typeface="Arial" pitchFamily="34" charset="0"/>
+              <a:buChar char="•"/>
+              <a:defRPr sz="1500" kern="1200">
+                <a:solidFill>
+                  <a:schemeClr val="tx1"/>
+                </a:solidFill>
+                <a:latin typeface="Century Gothic" pitchFamily="34" charset="0"/>
+                <a:ea typeface="+mn-ea"/>
+                <a:cs typeface="+mn-cs"/>
+              </a:defRPr>
+            </a:lvl4pPr>
+            <a:lvl5pPr marL="1548590" indent="-177356" algn="l" defTabSz="685617" rtl="0" eaLnBrk="1" latinLnBrk="0" hangingPunct="1">
+              <a:spcBef>
+                <a:spcPct val="20000"/>
+              </a:spcBef>
+              <a:buClr>
+                <a:schemeClr val="tx1"/>
+              </a:buClr>
+              <a:buFont typeface="Arial" pitchFamily="34" charset="0"/>
+              <a:buChar char="•"/>
+              <a:defRPr sz="1500" kern="1200">
+                <a:solidFill>
+                  <a:schemeClr val="tx1"/>
+                </a:solidFill>
+                <a:latin typeface="Century Gothic" pitchFamily="34" charset="0"/>
+                <a:ea typeface="+mn-ea"/>
+                <a:cs typeface="+mn-cs"/>
+              </a:defRPr>
+            </a:lvl5pPr>
+            <a:lvl6pPr marL="1885447" indent="-171404" algn="l" defTabSz="685617" rtl="0" eaLnBrk="1" latinLnBrk="0" hangingPunct="1">
+              <a:spcBef>
+                <a:spcPct val="20000"/>
+              </a:spcBef>
+              <a:buFont typeface="Arial" pitchFamily="34" charset="0"/>
+              <a:buChar char="•"/>
+              <a:defRPr sz="1500" kern="1200">
+                <a:solidFill>
+                  <a:schemeClr val="tx1"/>
+                </a:solidFill>
+                <a:latin typeface="+mn-lt"/>
+                <a:ea typeface="+mn-ea"/>
+                <a:cs typeface="+mn-cs"/>
+              </a:defRPr>
+            </a:lvl6pPr>
+            <a:lvl7pPr marL="2228256" indent="-171404" algn="l" defTabSz="685617" rtl="0" eaLnBrk="1" latinLnBrk="0" hangingPunct="1">
+              <a:spcBef>
+                <a:spcPct val="20000"/>
+              </a:spcBef>
+              <a:buFont typeface="Arial" pitchFamily="34" charset="0"/>
+              <a:buChar char="•"/>
+              <a:defRPr sz="1500" kern="1200">
+                <a:solidFill>
+                  <a:schemeClr val="tx1"/>
+                </a:solidFill>
+                <a:latin typeface="+mn-lt"/>
+                <a:ea typeface="+mn-ea"/>
+                <a:cs typeface="+mn-cs"/>
+              </a:defRPr>
+            </a:lvl7pPr>
+            <a:lvl8pPr marL="2571064" indent="-171404" algn="l" defTabSz="685617" rtl="0" eaLnBrk="1" latinLnBrk="0" hangingPunct="1">
+              <a:spcBef>
+                <a:spcPct val="20000"/>
+              </a:spcBef>
+              <a:buFont typeface="Arial" pitchFamily="34" charset="0"/>
+              <a:buChar char="•"/>
+              <a:defRPr sz="1500" kern="1200">
+                <a:solidFill>
+                  <a:schemeClr val="tx1"/>
+                </a:solidFill>
+                <a:latin typeface="+mn-lt"/>
+                <a:ea typeface="+mn-ea"/>
+                <a:cs typeface="+mn-cs"/>
+              </a:defRPr>
+            </a:lvl8pPr>
+            <a:lvl9pPr marL="2913873" indent="-171404" algn="l" defTabSz="685617" rtl="0" eaLnBrk="1" latinLnBrk="0" hangingPunct="1">
+              <a:spcBef>
+                <a:spcPct val="20000"/>
+              </a:spcBef>
+              <a:buFont typeface="Arial" pitchFamily="34" charset="0"/>
+              <a:buChar char="•"/>
+              <a:defRPr sz="1500" kern="1200">
+                <a:solidFill>
+                  <a:schemeClr val="tx1"/>
+                </a:solidFill>
+                <a:latin typeface="+mn-lt"/>
+                <a:ea typeface="+mn-ea"/>
+                <a:cs typeface="+mn-cs"/>
+              </a:defRPr>
+            </a:lvl9pPr>
+          </a:lstStyle>
+          <a:p>
+            <a:r>
+              <a:rPr lang="de-CH" sz="900" dirty="0" err="1"/>
+              <a:t>Fig</a:t>
+            </a:r>
+            <a:r>
+              <a:rPr lang="de-CH" sz="900" dirty="0"/>
+              <a:t> A : </a:t>
+            </a:r>
+            <a:r>
+              <a:rPr lang="de-CH" sz="900" dirty="0" err="1"/>
+              <a:t>Raw</a:t>
+            </a:r>
+            <a:r>
+              <a:rPr lang="de-CH" sz="900" dirty="0"/>
+              <a:t> </a:t>
+            </a:r>
+            <a:r>
+              <a:rPr lang="de-CH" sz="900" dirty="0" err="1"/>
+              <a:t>trajectories</a:t>
+            </a:r>
+            <a:r>
+              <a:rPr lang="de-CH" sz="900" dirty="0"/>
+              <a:t> </a:t>
+            </a:r>
+            <a:r>
+              <a:rPr lang="de-CH" sz="900" dirty="0" err="1"/>
+              <a:t>of</a:t>
+            </a:r>
+            <a:r>
+              <a:rPr lang="de-CH" sz="900" dirty="0"/>
+              <a:t> time (1: 1 </a:t>
+            </a:r>
+            <a:r>
+              <a:rPr lang="de-CH" sz="900" dirty="0" err="1"/>
+              <a:t>hour</a:t>
+            </a:r>
+            <a:r>
+              <a:rPr lang="de-CH" sz="900" dirty="0"/>
+              <a:t>, 2: 1 </a:t>
+            </a:r>
+            <a:r>
+              <a:rPr lang="de-CH" sz="900" dirty="0" err="1"/>
+              <a:t>day</a:t>
+            </a:r>
+            <a:r>
+              <a:rPr lang="de-CH" sz="900" dirty="0"/>
+              <a:t>, 3: 1 </a:t>
+            </a:r>
+            <a:r>
+              <a:rPr lang="de-CH" sz="900" dirty="0" err="1"/>
+              <a:t>week</a:t>
+            </a:r>
+            <a:r>
+              <a:rPr lang="de-CH" sz="900" dirty="0"/>
+              <a:t>, 4: 1 </a:t>
+            </a:r>
+            <a:r>
+              <a:rPr lang="de-CH" sz="900" dirty="0" err="1"/>
+              <a:t>month</a:t>
+            </a:r>
+            <a:r>
+              <a:rPr lang="de-CH" sz="900" dirty="0"/>
+              <a:t>) </a:t>
+            </a:r>
+          </a:p>
+          <a:p>
+            <a:r>
+              <a:rPr lang="de-CH" sz="900" dirty="0" err="1"/>
+              <a:t>for</a:t>
+            </a:r>
+            <a:r>
+              <a:rPr lang="de-CH" sz="900" dirty="0"/>
+              <a:t> GFR in L/min in </a:t>
+            </a:r>
+            <a:r>
+              <a:rPr lang="de-CH" sz="900" dirty="0" err="1"/>
+              <a:t>Figure</a:t>
+            </a:r>
+            <a:r>
+              <a:rPr lang="de-CH" sz="900" dirty="0"/>
+              <a:t> A.</a:t>
+            </a:r>
+          </a:p>
+          <a:p>
+            <a:endParaRPr lang="de-CH" sz="900" dirty="0"/>
+          </a:p>
+        </p:txBody>
+      </p:sp>
+      <p:sp>
+        <p:nvSpPr>
+          <p:cNvPr id="11" name="Text Placeholder 4">
+            <a:extLst>
+              <a:ext uri="{FF2B5EF4-FFF2-40B4-BE49-F238E27FC236}">
+                <a16:creationId xmlns:a16="http://schemas.microsoft.com/office/drawing/2014/main" id="{99289BAD-0C27-D141-B2BD-42CB48501A99}"/>
+              </a:ext>
+            </a:extLst>
+          </p:cNvPr>
+          <p:cNvSpPr txBox="1">
+            <a:spLocks/>
+          </p:cNvSpPr>
+          <p:nvPr/>
+        </p:nvSpPr>
+        <p:spPr>
+          <a:xfrm>
+            <a:off x="4767545" y="4299942"/>
+            <a:ext cx="4249787" cy="378116"/>
+          </a:xfrm>
+          <a:prstGeom prst="rect">
+            <a:avLst/>
+          </a:prstGeom>
+        </p:spPr>
+        <p:txBody>
+          <a:bodyPr lIns="68562" tIns="34281" rIns="68562" bIns="34281"/>
+          <a:lstStyle>
+            <a:lvl1pPr marL="64277" indent="0" algn="l" defTabSz="685617" rtl="0" eaLnBrk="1" latinLnBrk="0" hangingPunct="1">
+              <a:lnSpc>
+                <a:spcPct val="100000"/>
+              </a:lnSpc>
+              <a:spcBef>
+                <a:spcPts val="0"/>
+              </a:spcBef>
+              <a:buClr>
+                <a:srgbClr val="6D0303"/>
+              </a:buClr>
+              <a:buFontTx/>
+              <a:buNone/>
+              <a:defRPr sz="1800" b="0" kern="1200">
+                <a:solidFill>
+                  <a:schemeClr val="tx1"/>
+                </a:solidFill>
+                <a:latin typeface="Century Gothic" pitchFamily="34" charset="0"/>
+                <a:ea typeface="+mn-ea"/>
+                <a:cs typeface="+mn-cs"/>
+              </a:defRPr>
+            </a:lvl1pPr>
+            <a:lvl2pPr marL="557064" indent="-214255" algn="l" defTabSz="685617" rtl="0" eaLnBrk="1" latinLnBrk="0" hangingPunct="1">
+              <a:spcBef>
+                <a:spcPct val="20000"/>
+              </a:spcBef>
+              <a:buClr>
+                <a:schemeClr val="tx1"/>
+              </a:buClr>
+              <a:buFont typeface="Wingdings" pitchFamily="2" charset="2"/>
+              <a:buChar char="§"/>
+              <a:defRPr sz="2100" kern="1200">
+                <a:solidFill>
+                  <a:schemeClr val="tx1"/>
+                </a:solidFill>
+                <a:latin typeface="Century Gothic" pitchFamily="34" charset="0"/>
+                <a:ea typeface="+mn-ea"/>
+                <a:cs typeface="+mn-cs"/>
+              </a:defRPr>
+            </a:lvl2pPr>
+            <a:lvl3pPr marL="857021" indent="-171404" algn="l" defTabSz="685617" rtl="0" eaLnBrk="1" latinLnBrk="0" hangingPunct="1">
+              <a:spcBef>
+                <a:spcPct val="20000"/>
+              </a:spcBef>
+              <a:buClr>
+                <a:srgbClr val="616161"/>
+              </a:buClr>
+              <a:buFont typeface="Wingdings" pitchFamily="2" charset="2"/>
+              <a:buChar char="§"/>
+              <a:defRPr sz="1800" kern="1200">
+                <a:solidFill>
+                  <a:schemeClr val="tx1"/>
+                </a:solidFill>
+                <a:latin typeface="Century Gothic" pitchFamily="34" charset="0"/>
+                <a:ea typeface="+mn-ea"/>
+                <a:cs typeface="+mn-cs"/>
+              </a:defRPr>
+            </a:lvl3pPr>
+            <a:lvl4pPr marL="1199830" indent="-171404" algn="l" defTabSz="685617" rtl="0" eaLnBrk="1" latinLnBrk="0" hangingPunct="1">
+              <a:spcBef>
+                <a:spcPct val="20000"/>
+              </a:spcBef>
+              <a:buClr>
+                <a:srgbClr val="6D0303"/>
+              </a:buClr>
+              <a:buFont typeface="Arial" pitchFamily="34" charset="0"/>
+              <a:buChar char="•"/>
+              <a:defRPr sz="1500" kern="1200">
+                <a:solidFill>
+                  <a:schemeClr val="tx1"/>
+                </a:solidFill>
+                <a:latin typeface="Century Gothic" pitchFamily="34" charset="0"/>
+                <a:ea typeface="+mn-ea"/>
+                <a:cs typeface="+mn-cs"/>
+              </a:defRPr>
+            </a:lvl4pPr>
+            <a:lvl5pPr marL="1548590" indent="-177356" algn="l" defTabSz="685617" rtl="0" eaLnBrk="1" latinLnBrk="0" hangingPunct="1">
+              <a:spcBef>
+                <a:spcPct val="20000"/>
+              </a:spcBef>
+              <a:buClr>
+                <a:schemeClr val="tx1"/>
+              </a:buClr>
+              <a:buFont typeface="Arial" pitchFamily="34" charset="0"/>
+              <a:buChar char="•"/>
+              <a:defRPr sz="1500" kern="1200">
+                <a:solidFill>
+                  <a:schemeClr val="tx1"/>
+                </a:solidFill>
+                <a:latin typeface="Century Gothic" pitchFamily="34" charset="0"/>
+                <a:ea typeface="+mn-ea"/>
+                <a:cs typeface="+mn-cs"/>
+              </a:defRPr>
+            </a:lvl5pPr>
+            <a:lvl6pPr marL="1885447" indent="-171404" algn="l" defTabSz="685617" rtl="0" eaLnBrk="1" latinLnBrk="0" hangingPunct="1">
+              <a:spcBef>
+                <a:spcPct val="20000"/>
+              </a:spcBef>
+              <a:buFont typeface="Arial" pitchFamily="34" charset="0"/>
+              <a:buChar char="•"/>
+              <a:defRPr sz="1500" kern="1200">
+                <a:solidFill>
+                  <a:schemeClr val="tx1"/>
+                </a:solidFill>
+                <a:latin typeface="+mn-lt"/>
+                <a:ea typeface="+mn-ea"/>
+                <a:cs typeface="+mn-cs"/>
+              </a:defRPr>
+            </a:lvl6pPr>
+            <a:lvl7pPr marL="2228256" indent="-171404" algn="l" defTabSz="685617" rtl="0" eaLnBrk="1" latinLnBrk="0" hangingPunct="1">
+              <a:spcBef>
+                <a:spcPct val="20000"/>
+              </a:spcBef>
+              <a:buFont typeface="Arial" pitchFamily="34" charset="0"/>
+              <a:buChar char="•"/>
+              <a:defRPr sz="1500" kern="1200">
+                <a:solidFill>
+                  <a:schemeClr val="tx1"/>
+                </a:solidFill>
+                <a:latin typeface="+mn-lt"/>
+                <a:ea typeface="+mn-ea"/>
+                <a:cs typeface="+mn-cs"/>
+              </a:defRPr>
+            </a:lvl7pPr>
+            <a:lvl8pPr marL="2571064" indent="-171404" algn="l" defTabSz="685617" rtl="0" eaLnBrk="1" latinLnBrk="0" hangingPunct="1">
+              <a:spcBef>
+                <a:spcPct val="20000"/>
+              </a:spcBef>
+              <a:buFont typeface="Arial" pitchFamily="34" charset="0"/>
+              <a:buChar char="•"/>
+              <a:defRPr sz="1500" kern="1200">
+                <a:solidFill>
+                  <a:schemeClr val="tx1"/>
+                </a:solidFill>
+                <a:latin typeface="+mn-lt"/>
+                <a:ea typeface="+mn-ea"/>
+                <a:cs typeface="+mn-cs"/>
+              </a:defRPr>
+            </a:lvl8pPr>
+            <a:lvl9pPr marL="2913873" indent="-171404" algn="l" defTabSz="685617" rtl="0" eaLnBrk="1" latinLnBrk="0" hangingPunct="1">
+              <a:spcBef>
+                <a:spcPct val="20000"/>
+              </a:spcBef>
+              <a:buFont typeface="Arial" pitchFamily="34" charset="0"/>
+              <a:buChar char="•"/>
+              <a:defRPr sz="1500" kern="1200">
+                <a:solidFill>
+                  <a:schemeClr val="tx1"/>
+                </a:solidFill>
+                <a:latin typeface="+mn-lt"/>
+                <a:ea typeface="+mn-ea"/>
+                <a:cs typeface="+mn-cs"/>
+              </a:defRPr>
+            </a:lvl9pPr>
+          </a:lstStyle>
+          <a:p>
+            <a:r>
+              <a:rPr lang="de-CH" sz="900" dirty="0" err="1"/>
+              <a:t>Fig</a:t>
+            </a:r>
+            <a:r>
+              <a:rPr lang="de-CH" sz="900" dirty="0"/>
+              <a:t> B : </a:t>
+            </a:r>
+            <a:r>
+              <a:rPr lang="de-CH" sz="900" dirty="0" err="1"/>
+              <a:t>Raw</a:t>
+            </a:r>
+            <a:r>
+              <a:rPr lang="de-CH" sz="900" dirty="0"/>
+              <a:t> </a:t>
+            </a:r>
+            <a:r>
+              <a:rPr lang="de-CH" sz="900" dirty="0" err="1"/>
+              <a:t>trajectories</a:t>
+            </a:r>
+            <a:r>
+              <a:rPr lang="de-CH" sz="900" dirty="0"/>
+              <a:t> </a:t>
+            </a:r>
+            <a:r>
+              <a:rPr lang="de-CH" sz="900" dirty="0" err="1"/>
+              <a:t>of</a:t>
+            </a:r>
+            <a:r>
+              <a:rPr lang="de-CH" sz="900" dirty="0"/>
+              <a:t> time (1: 1 </a:t>
+            </a:r>
+            <a:r>
+              <a:rPr lang="de-CH" sz="900" dirty="0" err="1"/>
+              <a:t>hour</a:t>
+            </a:r>
+            <a:r>
+              <a:rPr lang="de-CH" sz="900" dirty="0"/>
+              <a:t>, 2: 1 </a:t>
+            </a:r>
+            <a:r>
+              <a:rPr lang="de-CH" sz="900" dirty="0" err="1"/>
+              <a:t>day</a:t>
+            </a:r>
+            <a:r>
+              <a:rPr lang="de-CH" sz="900" dirty="0"/>
+              <a:t>, 3: 1 </a:t>
+            </a:r>
+            <a:r>
+              <a:rPr lang="de-CH" sz="900" dirty="0" err="1"/>
+              <a:t>week</a:t>
+            </a:r>
+            <a:r>
+              <a:rPr lang="de-CH" sz="900" dirty="0"/>
+              <a:t>, 4: 1 </a:t>
+            </a:r>
+            <a:r>
+              <a:rPr lang="de-CH" sz="900" dirty="0" err="1"/>
+              <a:t>month</a:t>
+            </a:r>
+            <a:r>
+              <a:rPr lang="de-CH" sz="900" dirty="0"/>
+              <a:t>) </a:t>
+            </a:r>
+          </a:p>
+          <a:p>
+            <a:r>
+              <a:rPr lang="de-CH" sz="900" dirty="0" err="1"/>
+              <a:t>for</a:t>
+            </a:r>
+            <a:r>
+              <a:rPr lang="de-CH" sz="900" dirty="0"/>
+              <a:t> MAP  in </a:t>
+            </a:r>
+            <a:r>
+              <a:rPr lang="de-CH" sz="900" dirty="0" err="1"/>
+              <a:t>mmHg</a:t>
+            </a:r>
+            <a:r>
+              <a:rPr lang="de-CH" sz="900" dirty="0"/>
+              <a:t> in </a:t>
+            </a:r>
+            <a:r>
+              <a:rPr lang="de-CH" sz="900" dirty="0" err="1"/>
+              <a:t>Figure</a:t>
+            </a:r>
+            <a:r>
+              <a:rPr lang="de-CH" sz="900" dirty="0"/>
+              <a:t> B.</a:t>
+            </a:r>
+          </a:p>
+          <a:p>
+            <a:endParaRPr lang="de-CH" sz="900" dirty="0"/>
+          </a:p>
+        </p:txBody>
+      </p:sp>
+    </p:spTree>
+    <p:extLst>
+      <p:ext uri="{BB962C8B-B14F-4D97-AF65-F5344CB8AC3E}">
+        <p14:creationId xmlns:p14="http://schemas.microsoft.com/office/powerpoint/2010/main" val="1065714185"/>
+      </p:ext>
+    </p:extLst>
+  </p:cSld>
+  <p:clrMapOvr>
+    <a:masterClrMapping/>
+  </p:clrMapOvr>
+</p:sld>
+</file>
+
+<file path=ppt/slides/slide7.xml><?xml version="1.0" encoding="utf-8"?>
+<p:sld xmlns:a="http://schemas.openxmlformats.org/drawingml/2006/main" xmlns:r="http://schemas.openxmlformats.org/officeDocument/2006/relationships" xmlns:p="http://schemas.openxmlformats.org/presentationml/2006/main">
+  <p:cSld>
+    <p:spTree>
+      <p:nvGrpSpPr>
+        <p:cNvPr id="1" name=""/>
+        <p:cNvGrpSpPr/>
+        <p:nvPr/>
+      </p:nvGrpSpPr>
+      <p:grpSpPr>
+        <a:xfrm>
+          <a:off x="0" y="0"/>
+          <a:ext cx="0" cy="0"/>
+          <a:chOff x="0" y="0"/>
+          <a:chExt cx="0" cy="0"/>
+        </a:xfrm>
+      </p:grpSpPr>
+      <p:sp>
+        <p:nvSpPr>
+          <p:cNvPr id="4" name="Text Placeholder 3"/>
+          <p:cNvSpPr>
+            <a:spLocks noGrp="1"/>
+          </p:cNvSpPr>
+          <p:nvPr>
+            <p:ph type="body" sz="quarter" idx="10"/>
+          </p:nvPr>
+        </p:nvSpPr>
+        <p:spPr/>
+        <p:txBody>
+          <a:bodyPr/>
+          <a:lstStyle/>
+          <a:p>
+            <a:r>
+              <a:rPr lang="de-CH" dirty="0" err="1"/>
+              <a:t>Results</a:t>
+            </a:r>
+            <a:r>
+              <a:rPr lang="de-CH" dirty="0"/>
+              <a:t> 3</a:t>
+            </a:r>
+          </a:p>
+        </p:txBody>
+      </p:sp>
+      <p:sp>
+        <p:nvSpPr>
+          <p:cNvPr id="5" name="Text Placeholder 4"/>
+          <p:cNvSpPr>
+            <a:spLocks noGrp="1"/>
+          </p:cNvSpPr>
+          <p:nvPr>
+            <p:ph type="body" sz="quarter" idx="11"/>
+          </p:nvPr>
+        </p:nvSpPr>
+        <p:spPr/>
+        <p:txBody>
+          <a:bodyPr/>
+          <a:lstStyle/>
+          <a:p>
+            <a:r>
+              <a:rPr lang="de-CH" dirty="0"/>
+              <a:t>Clustering GFR </a:t>
+            </a:r>
+            <a:r>
+              <a:rPr lang="de-CH" dirty="0" err="1"/>
+              <a:t>values</a:t>
+            </a:r>
+            <a:r>
+              <a:rPr lang="de-CH" dirty="0"/>
+              <a:t> </a:t>
             </a:r>
             <a:r>
               <a:rPr lang="de-CH" dirty="0" err="1"/>
@@ -11494,120 +13087,6 @@
 </p:sld>
 </file>
 
-<file path=ppt/slides/slide7.xml><?xml version="1.0" encoding="utf-8"?>
-<p:sld xmlns:a="http://schemas.openxmlformats.org/drawingml/2006/main" xmlns:r="http://schemas.openxmlformats.org/officeDocument/2006/relationships" xmlns:p="http://schemas.openxmlformats.org/presentationml/2006/main">
-  <p:cSld>
-    <p:spTree>
-      <p:nvGrpSpPr>
-        <p:cNvPr id="1" name=""/>
-        <p:cNvGrpSpPr/>
-        <p:nvPr/>
-      </p:nvGrpSpPr>
-      <p:grpSpPr>
-        <a:xfrm>
-          <a:off x="0" y="0"/>
-          <a:ext cx="0" cy="0"/>
-          <a:chOff x="0" y="0"/>
-          <a:chExt cx="0" cy="0"/>
-        </a:xfrm>
-      </p:grpSpPr>
-      <p:sp>
-        <p:nvSpPr>
-          <p:cNvPr id="6" name="Text Placeholder 5"/>
-          <p:cNvSpPr>
-            <a:spLocks noGrp="1"/>
-          </p:cNvSpPr>
-          <p:nvPr>
-            <p:ph type="body" sz="quarter" idx="10"/>
-          </p:nvPr>
-        </p:nvSpPr>
-        <p:spPr/>
-        <p:txBody>
-          <a:bodyPr/>
-          <a:lstStyle/>
-          <a:p>
-            <a:r>
-              <a:rPr lang="de-CH" dirty="0" err="1"/>
-              <a:t>Discussion</a:t>
-            </a:r>
-            <a:r>
-              <a:rPr lang="de-CH" dirty="0"/>
-              <a:t> </a:t>
-            </a:r>
-            <a:r>
-              <a:rPr lang="de-CH" dirty="0" err="1"/>
-              <a:t>and</a:t>
-            </a:r>
-            <a:r>
-              <a:rPr lang="de-CH" dirty="0"/>
-              <a:t> </a:t>
-            </a:r>
-            <a:r>
-              <a:rPr lang="de-CH" dirty="0" err="1"/>
-              <a:t>Conclusion</a:t>
-            </a:r>
-            <a:endParaRPr lang="de-CH" dirty="0"/>
-          </a:p>
-        </p:txBody>
-      </p:sp>
-      <p:sp>
-        <p:nvSpPr>
-          <p:cNvPr id="7" name="Text Placeholder 6"/>
-          <p:cNvSpPr>
-            <a:spLocks noGrp="1"/>
-          </p:cNvSpPr>
-          <p:nvPr>
-            <p:ph type="body" sz="quarter" idx="11"/>
-          </p:nvPr>
-        </p:nvSpPr>
-        <p:spPr/>
-        <p:txBody>
-          <a:bodyPr anchor="ctr"/>
-          <a:lstStyle/>
-          <a:p>
-            <a:r>
-              <a:rPr lang="en-GB" dirty="0">
-                <a:effectLst/>
-              </a:rPr>
-              <a:t>Clustering R package show distinct trajectories for virtual population</a:t>
-            </a:r>
-          </a:p>
-          <a:p>
-            <a:r>
-              <a:rPr lang="en-GB" dirty="0"/>
-              <a:t>The clustered data may show that covariates are associated with dependant variable through further modelling techniques</a:t>
-            </a:r>
-          </a:p>
-          <a:p>
-            <a:endParaRPr lang="en-GB" dirty="0">
-              <a:effectLst/>
-            </a:endParaRPr>
-          </a:p>
-          <a:p>
-            <a:endParaRPr lang="en-GB" dirty="0">
-              <a:effectLst/>
-            </a:endParaRPr>
-          </a:p>
-          <a:p>
-            <a:endParaRPr lang="en-GB" dirty="0">
-              <a:effectLst/>
-            </a:endParaRPr>
-          </a:p>
-        </p:txBody>
-      </p:sp>
-    </p:spTree>
-    <p:extLst>
-      <p:ext uri="{BB962C8B-B14F-4D97-AF65-F5344CB8AC3E}">
-        <p14:creationId xmlns:p14="http://schemas.microsoft.com/office/powerpoint/2010/main" val="4065739877"/>
-      </p:ext>
-    </p:extLst>
-  </p:cSld>
-  <p:clrMapOvr>
-    <a:masterClrMapping/>
-  </p:clrMapOvr>
-</p:sld>
-</file>
-
 <file path=ppt/slides/slide8.xml><?xml version="1.0" encoding="utf-8"?>
 <p:sld xmlns:a="http://schemas.openxmlformats.org/drawingml/2006/main" xmlns:r="http://schemas.openxmlformats.org/officeDocument/2006/relationships" xmlns:p="http://schemas.openxmlformats.org/presentationml/2006/main">
   <p:cSld>
@@ -11641,9 +13120,26 @@
           <a:lstStyle/>
           <a:p>
             <a:r>
+              <a:rPr lang="de-CH" dirty="0" err="1"/>
+              <a:t>Discussion</a:t>
+            </a:r>
+            <a:r>
               <a:rPr lang="de-CH" dirty="0"/>
-              <a:t>Outlook</a:t>
-            </a:r>
+              <a:t> </a:t>
+            </a:r>
+            <a:r>
+              <a:rPr lang="de-CH" dirty="0" err="1"/>
+              <a:t>and</a:t>
+            </a:r>
+            <a:r>
+              <a:rPr lang="de-CH" dirty="0"/>
+              <a:t> </a:t>
+            </a:r>
+            <a:r>
+              <a:rPr lang="de-CH" dirty="0" err="1"/>
+              <a:t>Conclusion</a:t>
+            </a:r>
+            <a:endParaRPr lang="de-CH" dirty="0"/>
           </a:p>
         </p:txBody>
       </p:sp>
@@ -11662,44 +13158,169 @@
           <a:bodyPr anchor="ctr"/>
           <a:lstStyle/>
           <a:p>
-            <a:pPr marL="64277" indent="0">
-              <a:buNone/>
-            </a:pPr>
-            <a:endParaRPr lang="en-GB" dirty="0"/>
-          </a:p>
-          <a:p>
-            <a:r>
-              <a:rPr lang="en-GB" sz="1600" dirty="0">
+            <a:r>
+              <a:rPr lang="en-GB" dirty="0">
                 <a:effectLst/>
               </a:rPr>
-              <a:t>This </a:t>
-            </a:r>
-            <a:r>
-              <a:rPr lang="en-GB" sz="1600" dirty="0"/>
-              <a:t>validation study used GFR, Extracellular K</a:t>
-            </a:r>
-            <a:r>
-              <a:rPr lang="en-GB" sz="1600" baseline="30000" dirty="0"/>
-              <a:t>+</a:t>
-            </a:r>
-            <a:r>
-              <a:rPr lang="en-GB" sz="1600" dirty="0"/>
-              <a:t>, MAP, HR. This could be further improved and guided by clinical knowledge</a:t>
-            </a:r>
-          </a:p>
-          <a:p>
-            <a:r>
-              <a:rPr lang="en-GB" sz="1600" dirty="0"/>
-              <a:t>Ideal number of clusters could be validated </a:t>
-            </a:r>
-          </a:p>
-          <a:p>
-            <a:r>
-              <a:rPr lang="en-GB" sz="1600" dirty="0"/>
-              <a:t>Direction or pattern of trajectory could also be validated</a:t>
+              <a:t>Results of supervised clustering vs splitting data based on clinical thresholds </a:t>
+            </a:r>
+          </a:p>
+          <a:p>
+            <a:r>
+              <a:rPr lang="en-GB" dirty="0"/>
+              <a:t>Clustering R package </a:t>
+            </a:r>
+            <a:r>
+              <a:rPr lang="en-GB" i="1" dirty="0" err="1"/>
+              <a:t>kml</a:t>
+            </a:r>
+            <a:r>
+              <a:rPr lang="en-GB" i="1" dirty="0"/>
+              <a:t> by </a:t>
+            </a:r>
+            <a:r>
+              <a:rPr lang="en-GB" dirty="0" err="1"/>
+              <a:t>Genolini</a:t>
+            </a:r>
+            <a:r>
+              <a:rPr lang="en-GB" dirty="0"/>
+              <a:t> et al (2017)</a:t>
+            </a:r>
+            <a:r>
+              <a:rPr lang="en-GB" i="1" baseline="30000" dirty="0"/>
+              <a:t>1 </a:t>
+            </a:r>
+            <a:r>
+              <a:rPr lang="en-GB" dirty="0"/>
+              <a:t> show distinct trajectories for virtual population</a:t>
             </a:r>
             <a:endParaRPr lang="en-GB" dirty="0">
               <a:effectLst/>
+            </a:endParaRPr>
+          </a:p>
+          <a:p>
+            <a:r>
+              <a:rPr lang="en-GB" dirty="0"/>
+              <a:t>The clustered data may show that covariates are associated with dependant variable through further modelling techniques</a:t>
+            </a:r>
+          </a:p>
+          <a:p>
+            <a:endParaRPr lang="en-GB" dirty="0">
+              <a:effectLst/>
+            </a:endParaRPr>
+          </a:p>
+          <a:p>
+            <a:endParaRPr lang="en-GB" dirty="0">
+              <a:effectLst/>
+            </a:endParaRPr>
+          </a:p>
+          <a:p>
+            <a:endParaRPr lang="en-GB" dirty="0">
+              <a:effectLst/>
+            </a:endParaRPr>
+          </a:p>
+        </p:txBody>
+      </p:sp>
+      <p:sp>
+        <p:nvSpPr>
+          <p:cNvPr id="2" name="TextBox 1">
+            <a:extLst>
+              <a:ext uri="{FF2B5EF4-FFF2-40B4-BE49-F238E27FC236}">
+                <a16:creationId xmlns:a16="http://schemas.microsoft.com/office/drawing/2014/main" id="{C33010E4-BB3E-1B4C-8EDF-F6AF435D63B5}"/>
+              </a:ext>
+            </a:extLst>
+          </p:cNvPr>
+          <p:cNvSpPr txBox="1"/>
+          <p:nvPr/>
+        </p:nvSpPr>
+        <p:spPr>
+          <a:xfrm>
+            <a:off x="1115616" y="4803998"/>
+            <a:ext cx="6552728" cy="461665"/>
+          </a:xfrm>
+          <a:prstGeom prst="rect">
+            <a:avLst/>
+          </a:prstGeom>
+          <a:noFill/>
+        </p:spPr>
+        <p:txBody>
+          <a:bodyPr wrap="square" rtlCol="0">
+            <a:spAutoFit/>
+          </a:bodyPr>
+          <a:lstStyle/>
+          <a:p>
+            <a:pPr marL="342900" indent="-342900">
+              <a:buFont typeface="+mj-lt"/>
+              <a:buAutoNum type="arabicPeriod"/>
+            </a:pPr>
+            <a:r>
+              <a:rPr lang="en-GB" sz="800" dirty="0" err="1">
+                <a:latin typeface="Century Gothic" panose="020B0502020202020204" pitchFamily="34" charset="0"/>
+              </a:rPr>
+              <a:t>Genolini</a:t>
+            </a:r>
+            <a:r>
+              <a:rPr lang="en-GB" sz="800" dirty="0">
+                <a:latin typeface="Century Gothic" panose="020B0502020202020204" pitchFamily="34" charset="0"/>
+              </a:rPr>
+              <a:t>, </a:t>
+            </a:r>
+            <a:r>
+              <a:rPr lang="en-GB" sz="800" dirty="0" err="1">
+                <a:latin typeface="Century Gothic" panose="020B0502020202020204" pitchFamily="34" charset="0"/>
+              </a:rPr>
+              <a:t>Alacoque</a:t>
+            </a:r>
+            <a:r>
+              <a:rPr lang="en-GB" sz="800" dirty="0">
+                <a:latin typeface="Century Gothic" panose="020B0502020202020204" pitchFamily="34" charset="0"/>
+              </a:rPr>
+              <a:t>, </a:t>
+            </a:r>
+            <a:r>
+              <a:rPr lang="en-GB" sz="800" dirty="0" err="1">
+                <a:latin typeface="Century Gothic" panose="020B0502020202020204" pitchFamily="34" charset="0"/>
+              </a:rPr>
+              <a:t>Sentenac</a:t>
+            </a:r>
+            <a:r>
+              <a:rPr lang="en-GB" sz="800" dirty="0">
+                <a:latin typeface="Century Gothic" panose="020B0502020202020204" pitchFamily="34" charset="0"/>
+              </a:rPr>
+              <a:t>, Arnaud, 2017 </a:t>
+            </a:r>
+            <a:r>
+              <a:rPr lang="en-GB" sz="800" dirty="0" err="1">
+                <a:latin typeface="Century Gothic" panose="020B0502020202020204" pitchFamily="34" charset="0"/>
+              </a:rPr>
+              <a:t>kml</a:t>
+            </a:r>
+            <a:r>
+              <a:rPr lang="en-GB" sz="800" dirty="0">
+                <a:latin typeface="Century Gothic" panose="020B0502020202020204" pitchFamily="34" charset="0"/>
+              </a:rPr>
+              <a:t> and kml3d: R Packages to Cluster Longitudinal Data </a:t>
+            </a:r>
+            <a:r>
+              <a:rPr lang="en-GB" sz="800" dirty="0" err="1">
+                <a:latin typeface="Century Gothic" panose="020B0502020202020204" pitchFamily="34" charset="0"/>
+              </a:rPr>
+              <a:t>kml</a:t>
+            </a:r>
+            <a:r>
+              <a:rPr lang="en-GB" sz="800" dirty="0">
+                <a:latin typeface="Century Gothic" panose="020B0502020202020204" pitchFamily="34" charset="0"/>
+              </a:rPr>
+              <a:t> and kml3d: R Packages to Cluster Longitudinal Data </a:t>
+            </a:r>
+          </a:p>
+          <a:p>
+            <a:pPr marL="342900" indent="-342900">
+              <a:buFont typeface="+mj-lt"/>
+              <a:buAutoNum type="arabicPeriod"/>
+            </a:pPr>
+            <a:endParaRPr lang="en-CH" sz="800" dirty="0">
+              <a:latin typeface="Century Gothic" panose="020B0502020202020204" pitchFamily="34" charset="0"/>
             </a:endParaRPr>
           </a:p>
         </p:txBody>
@@ -11707,7 +13328,7 @@
     </p:spTree>
     <p:extLst>
       <p:ext uri="{BB962C8B-B14F-4D97-AF65-F5344CB8AC3E}">
-        <p14:creationId xmlns:p14="http://schemas.microsoft.com/office/powerpoint/2010/main" val="2493094321"/>
+        <p14:creationId xmlns:p14="http://schemas.microsoft.com/office/powerpoint/2010/main" val="4065739877"/>
       </p:ext>
     </p:extLst>
   </p:cSld>
@@ -11736,7 +13357,7 @@
       </p:grpSpPr>
       <p:sp>
         <p:nvSpPr>
-          <p:cNvPr id="4" name="Text Placeholder 3"/>
+          <p:cNvPr id="6" name="Text Placeholder 5"/>
           <p:cNvSpPr>
             <a:spLocks noGrp="1"/>
           </p:cNvSpPr>
@@ -11751,14 +13372,14 @@
           <a:p>
             <a:r>
               <a:rPr lang="de-CH" dirty="0"/>
-              <a:t>Picture Slide with Comment and Text</a:t>
+              <a:t>Outlook</a:t>
             </a:r>
           </a:p>
         </p:txBody>
       </p:sp>
       <p:sp>
         <p:nvSpPr>
-          <p:cNvPr id="5" name="Text Placeholder 4"/>
+          <p:cNvPr id="7" name="Text Placeholder 6"/>
           <p:cNvSpPr>
             <a:spLocks noGrp="1"/>
           </p:cNvSpPr>
@@ -11766,36 +13387,45 @@
             <p:ph type="body" sz="quarter" idx="11"/>
           </p:nvPr>
         </p:nvSpPr>
-        <p:spPr/>
+        <p:spPr>
+          <a:xfrm>
+            <a:off x="0" y="555526"/>
+            <a:ext cx="9144000" cy="4176018"/>
+          </a:xfrm>
+        </p:spPr>
         <p:txBody>
-          <a:bodyPr/>
+          <a:bodyPr anchor="ctr"/>
           <a:lstStyle/>
           <a:p>
-            <a:r>
-              <a:rPr lang="de-CH" dirty="0"/>
-              <a:t>Comment</a:t>
-            </a:r>
-          </a:p>
-        </p:txBody>
-      </p:sp>
-      <p:sp>
-        <p:nvSpPr>
-          <p:cNvPr id="6" name="Text Placeholder 5"/>
-          <p:cNvSpPr>
-            <a:spLocks noGrp="1"/>
-          </p:cNvSpPr>
-          <p:nvPr>
-            <p:ph type="body" sz="quarter" idx="12"/>
-          </p:nvPr>
-        </p:nvSpPr>
-        <p:spPr/>
-        <p:txBody>
-          <a:bodyPr/>
-          <a:lstStyle/>
-          <a:p>
-            <a:r>
-              <a:rPr lang="de-CH" dirty="0"/>
-              <a:t>Text</a:t>
+            <a:pPr marL="64277" indent="0">
+              <a:buNone/>
+            </a:pPr>
+            <a:endParaRPr lang="en-GB" dirty="0"/>
+          </a:p>
+          <a:p>
+            <a:r>
+              <a:rPr lang="en-GB" sz="1600" dirty="0">
+                <a:effectLst/>
+              </a:rPr>
+              <a:t>This </a:t>
+            </a:r>
+            <a:r>
+              <a:rPr lang="en-GB" sz="1600" dirty="0"/>
+              <a:t>validation study used GFR, Extracellular K</a:t>
+            </a:r>
+            <a:r>
+              <a:rPr lang="en-GB" sz="1600" baseline="30000" dirty="0"/>
+              <a:t>+</a:t>
+            </a:r>
+            <a:r>
+              <a:rPr lang="en-GB" sz="1600" dirty="0"/>
+              <a:t>, MAP, HR. This could be further improved and guided by clinical knowledge</a:t>
+            </a:r>
+          </a:p>
+          <a:p>
+            <a:r>
+              <a:rPr lang="en-GB" sz="1600" dirty="0"/>
+              <a:t>Ideal number of clusters could be validated </a:t>
             </a:r>
           </a:p>
         </p:txBody>
@@ -11803,7 +13433,7 @@
     </p:spTree>
     <p:extLst>
       <p:ext uri="{BB962C8B-B14F-4D97-AF65-F5344CB8AC3E}">
-        <p14:creationId xmlns:p14="http://schemas.microsoft.com/office/powerpoint/2010/main" val="529925703"/>
+        <p14:creationId xmlns:p14="http://schemas.microsoft.com/office/powerpoint/2010/main" val="2493094321"/>
       </p:ext>
     </p:extLst>
   </p:cSld>
